--- a/test/pptx/code_templated.pptx
+++ b/test/pptx/code_templated.pptx
@@ -1,6 +1,6 @@
 
 <file path=ppt/presentation.xml><?xml version="1.0" encoding="utf-8"?>
-<p:presentation xmlns:a="http://schemas.openxmlformats.org/drawingml/2006/main" xmlns:r="http://schemas.openxmlformats.org/officeDocument/2006/relationships" xmlns:p="http://schemas.openxmlformats.org/presentationml/2006/main" autoCompressPictures="0">
+<p:presentation xmlns:a="http://schemas.openxmlformats.org/drawingml/2006/main" xmlns:p="http://schemas.openxmlformats.org/presentationml/2006/main" xmlns:r="http://schemas.openxmlformats.org/officeDocument/2006/relationships" autoCompressPictures="0">
   <p:sldMasterIdLst>
     <p:sldMasterId id="2147483648" r:id="rId1"/>
   </p:sldMasterIdLst>
@@ -15,8 +15,8 @@
     <a:defPPr>
       <a:defRPr lang="en-US"/>
     </a:defPPr>
-    <a:lvl1pPr marL="0" algn="l" defTabSz="457200" rtl="0" eaLnBrk="1" latinLnBrk="0" hangingPunct="1">
-      <a:defRPr sz="1800" kern="1200">
+    <a:lvl1pPr algn="l" defTabSz="457200" eaLnBrk="1" hangingPunct="1" latinLnBrk="0" marL="0" rtl="0">
+      <a:defRPr kern="1200" sz="1800">
         <a:solidFill>
           <a:schemeClr val="tx1"/>
         </a:solidFill>
@@ -25,8 +25,8 @@
         <a:cs typeface="+mn-cs"/>
       </a:defRPr>
     </a:lvl1pPr>
-    <a:lvl2pPr marL="457200" algn="l" defTabSz="457200" rtl="0" eaLnBrk="1" latinLnBrk="0" hangingPunct="1">
-      <a:defRPr sz="1800" kern="1200">
+    <a:lvl2pPr algn="l" defTabSz="457200" eaLnBrk="1" hangingPunct="1" latinLnBrk="0" marL="457200" rtl="0">
+      <a:defRPr kern="1200" sz="1800">
         <a:solidFill>
           <a:schemeClr val="tx1"/>
         </a:solidFill>
@@ -35,8 +35,8 @@
         <a:cs typeface="+mn-cs"/>
       </a:defRPr>
     </a:lvl2pPr>
-    <a:lvl3pPr marL="914400" algn="l" defTabSz="457200" rtl="0" eaLnBrk="1" latinLnBrk="0" hangingPunct="1">
-      <a:defRPr sz="1800" kern="1200">
+    <a:lvl3pPr algn="l" defTabSz="457200" eaLnBrk="1" hangingPunct="1" latinLnBrk="0" marL="914400" rtl="0">
+      <a:defRPr kern="1200" sz="1800">
         <a:solidFill>
           <a:schemeClr val="tx1"/>
         </a:solidFill>
@@ -45,8 +45,8 @@
         <a:cs typeface="+mn-cs"/>
       </a:defRPr>
     </a:lvl3pPr>
-    <a:lvl4pPr marL="1371600" algn="l" defTabSz="457200" rtl="0" eaLnBrk="1" latinLnBrk="0" hangingPunct="1">
-      <a:defRPr sz="1800" kern="1200">
+    <a:lvl4pPr algn="l" defTabSz="457200" eaLnBrk="1" hangingPunct="1" latinLnBrk="0" marL="1371600" rtl="0">
+      <a:defRPr kern="1200" sz="1800">
         <a:solidFill>
           <a:schemeClr val="tx1"/>
         </a:solidFill>
@@ -55,8 +55,8 @@
         <a:cs typeface="+mn-cs"/>
       </a:defRPr>
     </a:lvl4pPr>
-    <a:lvl5pPr marL="1828800" algn="l" defTabSz="457200" rtl="0" eaLnBrk="1" latinLnBrk="0" hangingPunct="1">
-      <a:defRPr sz="1800" kern="1200">
+    <a:lvl5pPr algn="l" defTabSz="457200" eaLnBrk="1" hangingPunct="1" latinLnBrk="0" marL="1828800" rtl="0">
+      <a:defRPr kern="1200" sz="1800">
         <a:solidFill>
           <a:schemeClr val="tx1"/>
         </a:solidFill>
@@ -65,8 +65,8 @@
         <a:cs typeface="+mn-cs"/>
       </a:defRPr>
     </a:lvl5pPr>
-    <a:lvl6pPr marL="2286000" algn="l" defTabSz="457200" rtl="0" eaLnBrk="1" latinLnBrk="0" hangingPunct="1">
-      <a:defRPr sz="1800" kern="1200">
+    <a:lvl6pPr algn="l" defTabSz="457200" eaLnBrk="1" hangingPunct="1" latinLnBrk="0" marL="2286000" rtl="0">
+      <a:defRPr kern="1200" sz="1800">
         <a:solidFill>
           <a:schemeClr val="tx1"/>
         </a:solidFill>
@@ -75,8 +75,8 @@
         <a:cs typeface="+mn-cs"/>
       </a:defRPr>
     </a:lvl6pPr>
-    <a:lvl7pPr marL="2743200" algn="l" defTabSz="457200" rtl="0" eaLnBrk="1" latinLnBrk="0" hangingPunct="1">
-      <a:defRPr sz="1800" kern="1200">
+    <a:lvl7pPr algn="l" defTabSz="457200" eaLnBrk="1" hangingPunct="1" latinLnBrk="0" marL="2743200" rtl="0">
+      <a:defRPr kern="1200" sz="1800">
         <a:solidFill>
           <a:schemeClr val="tx1"/>
         </a:solidFill>
@@ -85,8 +85,8 @@
         <a:cs typeface="+mn-cs"/>
       </a:defRPr>
     </a:lvl7pPr>
-    <a:lvl8pPr marL="3200400" algn="l" defTabSz="457200" rtl="0" eaLnBrk="1" latinLnBrk="0" hangingPunct="1">
-      <a:defRPr sz="1800" kern="1200">
+    <a:lvl8pPr algn="l" defTabSz="457200" eaLnBrk="1" hangingPunct="1" latinLnBrk="0" marL="3200400" rtl="0">
+      <a:defRPr kern="1200" sz="1800">
         <a:solidFill>
           <a:schemeClr val="tx1"/>
         </a:solidFill>
@@ -95,8 +95,8 @@
         <a:cs typeface="+mn-cs"/>
       </a:defRPr>
     </a:lvl8pPr>
-    <a:lvl9pPr marL="3657600" algn="l" defTabSz="457200" rtl="0" eaLnBrk="1" latinLnBrk="0" hangingPunct="1">
-      <a:defRPr sz="1800" kern="1200">
+    <a:lvl9pPr algn="l" defTabSz="457200" eaLnBrk="1" hangingPunct="1" latinLnBrk="0" marL="3657600" rtl="0">
+      <a:defRPr kern="1200" sz="1800">
         <a:solidFill>
           <a:schemeClr val="tx1"/>
         </a:solidFill>
@@ -6192,7 +6192,7 @@
             <a:spLocks noGrp="1"/>
           </p:cNvSpPr>
           <p:nvPr>
-            <p:ph sz="half" idx="1"/>
+            <p:ph idx="1" sz="half"/>
           </p:nvPr>
         </p:nvSpPr>
         <p:spPr/>
@@ -6221,7 +6221,7 @@
             <a:spLocks noGrp="1"/>
           </p:cNvSpPr>
           <p:nvPr>
-            <p:ph sz="half" idx="2"/>
+            <p:ph idx="2" sz="half"/>
           </p:nvPr>
         </p:nvSpPr>
         <p:spPr/>
